--- a/ITI/TF/Volume1/media/Figure_5.3-1.pptx
+++ b/ITI/TF/Volume1/media/Figure_5.3-1.pptx
@@ -104,6 +104,11 @@
       </a:defRPr>
     </a:lvl9pPr>
   </p:defaultTextStyle>
+  <p:extLst>
+    <p:ext uri="{EFAFB233-063F-42B5-8137-9DF3F51BA10A}">
+      <p15:sldGuideLst xmlns:p15="http://schemas.microsoft.com/office/powerpoint/2012/main"/>
+    </p:ext>
+  </p:extLst>
 </p:presentation>
 </file>
 
@@ -254,7 +259,7 @@
           <a:p>
             <a:fld id="{5981D516-BBC7-BB4E-9283-EF588A945A0B}" type="datetimeFigureOut">
               <a:rPr lang="en-US" smtClean="0"/>
-              <a:t>8/10/20</a:t>
+              <a:t>8/25/20</a:t>
             </a:fld>
             <a:endParaRPr lang="en-US"/>
           </a:p>
@@ -452,7 +457,7 @@
           <a:p>
             <a:fld id="{5981D516-BBC7-BB4E-9283-EF588A945A0B}" type="datetimeFigureOut">
               <a:rPr lang="en-US" smtClean="0"/>
-              <a:t>8/10/20</a:t>
+              <a:t>8/25/20</a:t>
             </a:fld>
             <a:endParaRPr lang="en-US"/>
           </a:p>
@@ -660,7 +665,7 @@
           <a:p>
             <a:fld id="{5981D516-BBC7-BB4E-9283-EF588A945A0B}" type="datetimeFigureOut">
               <a:rPr lang="en-US" smtClean="0"/>
-              <a:t>8/10/20</a:t>
+              <a:t>8/25/20</a:t>
             </a:fld>
             <a:endParaRPr lang="en-US"/>
           </a:p>
@@ -858,7 +863,7 @@
           <a:p>
             <a:fld id="{5981D516-BBC7-BB4E-9283-EF588A945A0B}" type="datetimeFigureOut">
               <a:rPr lang="en-US" smtClean="0"/>
-              <a:t>8/10/20</a:t>
+              <a:t>8/25/20</a:t>
             </a:fld>
             <a:endParaRPr lang="en-US"/>
           </a:p>
@@ -1133,7 +1138,7 @@
           <a:p>
             <a:fld id="{5981D516-BBC7-BB4E-9283-EF588A945A0B}" type="datetimeFigureOut">
               <a:rPr lang="en-US" smtClean="0"/>
-              <a:t>8/10/20</a:t>
+              <a:t>8/25/20</a:t>
             </a:fld>
             <a:endParaRPr lang="en-US"/>
           </a:p>
@@ -1398,7 +1403,7 @@
           <a:p>
             <a:fld id="{5981D516-BBC7-BB4E-9283-EF588A945A0B}" type="datetimeFigureOut">
               <a:rPr lang="en-US" smtClean="0"/>
-              <a:t>8/10/20</a:t>
+              <a:t>8/25/20</a:t>
             </a:fld>
             <a:endParaRPr lang="en-US"/>
           </a:p>
@@ -1810,7 +1815,7 @@
           <a:p>
             <a:fld id="{5981D516-BBC7-BB4E-9283-EF588A945A0B}" type="datetimeFigureOut">
               <a:rPr lang="en-US" smtClean="0"/>
-              <a:t>8/10/20</a:t>
+              <a:t>8/25/20</a:t>
             </a:fld>
             <a:endParaRPr lang="en-US"/>
           </a:p>
@@ -1951,7 +1956,7 @@
           <a:p>
             <a:fld id="{5981D516-BBC7-BB4E-9283-EF588A945A0B}" type="datetimeFigureOut">
               <a:rPr lang="en-US" smtClean="0"/>
-              <a:t>8/10/20</a:t>
+              <a:t>8/25/20</a:t>
             </a:fld>
             <a:endParaRPr lang="en-US"/>
           </a:p>
@@ -2064,7 +2069,7 @@
           <a:p>
             <a:fld id="{5981D516-BBC7-BB4E-9283-EF588A945A0B}" type="datetimeFigureOut">
               <a:rPr lang="en-US" smtClean="0"/>
-              <a:t>8/10/20</a:t>
+              <a:t>8/25/20</a:t>
             </a:fld>
             <a:endParaRPr lang="en-US"/>
           </a:p>
@@ -2375,7 +2380,7 @@
           <a:p>
             <a:fld id="{5981D516-BBC7-BB4E-9283-EF588A945A0B}" type="datetimeFigureOut">
               <a:rPr lang="en-US" smtClean="0"/>
-              <a:t>8/10/20</a:t>
+              <a:t>8/25/20</a:t>
             </a:fld>
             <a:endParaRPr lang="en-US"/>
           </a:p>
@@ -2663,7 +2668,7 @@
           <a:p>
             <a:fld id="{5981D516-BBC7-BB4E-9283-EF588A945A0B}" type="datetimeFigureOut">
               <a:rPr lang="en-US" smtClean="0"/>
-              <a:t>8/10/20</a:t>
+              <a:t>8/25/20</a:t>
             </a:fld>
             <a:endParaRPr lang="en-US"/>
           </a:p>
@@ -2904,7 +2909,7 @@
           <a:p>
             <a:fld id="{5981D516-BBC7-BB4E-9283-EF588A945A0B}" type="datetimeFigureOut">
               <a:rPr lang="en-US" smtClean="0"/>
-              <a:t>8/10/20</a:t>
+              <a:t>8/25/20</a:t>
             </a:fld>
             <a:endParaRPr lang="en-US"/>
           </a:p>
@@ -3496,7 +3501,7 @@
               <a:tabLst/>
             </a:pPr>
             <a:r>
-              <a:rPr kumimoji="0" lang="en-US" altLang="en-US" sz="1000" b="0" i="0" u="none" strike="noStrike" cap="none" normalizeH="0" baseline="0">
+              <a:rPr kumimoji="0" lang="en-US" altLang="en-US" sz="1000" b="0" i="0" u="none" strike="noStrike" cap="none" normalizeH="0" baseline="0" dirty="0">
                 <a:ln>
                   <a:noFill/>
                 </a:ln>
@@ -3504,12 +3509,13 @@
                   <a:schemeClr val="tx1"/>
                 </a:solidFill>
                 <a:effectLst/>
-                <a:latin typeface="Arial" panose="020B0604020202020204" pitchFamily="34" charset="0"/>
+                <a:latin typeface="Times New Roman" panose="02020603050405020304" pitchFamily="18" charset="0"/>
                 <a:ea typeface="Times New Roman" panose="02020603050405020304" pitchFamily="18" charset="0"/>
+                <a:cs typeface="Times New Roman" panose="02020603050405020304" pitchFamily="18" charset="0"/>
               </a:rPr>
               <a:t>PIX Query [ITI-9]</a:t>
             </a:r>
-            <a:endParaRPr kumimoji="0" lang="en-US" altLang="en-US" sz="1800" b="0" i="0" u="none" strike="noStrike" cap="none" normalizeH="0" baseline="0">
+            <a:endParaRPr kumimoji="0" lang="en-US" altLang="en-US" sz="1800" b="0" i="0" u="none" strike="noStrike" cap="none" normalizeH="0" baseline="0" dirty="0">
               <a:ln>
                 <a:noFill/>
               </a:ln>
@@ -3517,7 +3523,8 @@
                 <a:schemeClr val="tx1"/>
               </a:solidFill>
               <a:effectLst/>
-              <a:latin typeface="Arial" panose="020B0604020202020204" pitchFamily="34" charset="0"/>
+              <a:latin typeface="Times New Roman" panose="02020603050405020304" pitchFamily="18" charset="0"/>
+              <a:cs typeface="Times New Roman" panose="02020603050405020304" pitchFamily="18" charset="0"/>
             </a:endParaRPr>
           </a:p>
         </p:txBody>
@@ -4070,7 +4077,7 @@
               <a:tabLst/>
             </a:pPr>
             <a:r>
-              <a:rPr kumimoji="0" lang="en-US" altLang="en-US" sz="1000" b="0" i="1" u="none" strike="noStrike" cap="none" normalizeH="0" baseline="0">
+              <a:rPr kumimoji="0" lang="en-US" altLang="en-US" sz="1000" b="0" i="1" u="none" strike="noStrike" cap="none" normalizeH="0" baseline="0" dirty="0">
                 <a:ln>
                   <a:noFill/>
                 </a:ln>
@@ -4078,12 +4085,43 @@
                   <a:schemeClr val="tx1"/>
                 </a:solidFill>
                 <a:effectLst/>
-                <a:latin typeface="Arial" panose="020B0604020202020204" pitchFamily="34" charset="0"/>
+                <a:latin typeface="Times New Roman" panose="02020603050405020304" pitchFamily="18" charset="0"/>
                 <a:ea typeface="Times New Roman" panose="02020603050405020304" pitchFamily="18" charset="0"/>
+                <a:cs typeface="Times New Roman" panose="02020603050405020304" pitchFamily="18" charset="0"/>
               </a:rPr>
-              <a:t>Apply Xref logic </a:t>
-            </a:r>
-            <a:endParaRPr kumimoji="0" lang="en-US" altLang="en-US" sz="1800" b="0" i="0" u="none" strike="noStrike" cap="none" normalizeH="0" baseline="0">
+              <a:t>Apply </a:t>
+            </a:r>
+            <a:r>
+              <a:rPr kumimoji="0" lang="en-US" altLang="en-US" sz="1000" b="0" i="1" u="none" strike="noStrike" cap="none" normalizeH="0" baseline="0" dirty="0" err="1">
+                <a:ln>
+                  <a:noFill/>
+                </a:ln>
+                <a:solidFill>
+                  <a:schemeClr val="tx1"/>
+                </a:solidFill>
+                <a:effectLst/>
+                <a:latin typeface="Times New Roman" panose="02020603050405020304" pitchFamily="18" charset="0"/>
+                <a:ea typeface="Times New Roman" panose="02020603050405020304" pitchFamily="18" charset="0"/>
+                <a:cs typeface="Times New Roman" panose="02020603050405020304" pitchFamily="18" charset="0"/>
+              </a:rPr>
+              <a:t>Xref</a:t>
+            </a:r>
+            <a:r>
+              <a:rPr kumimoji="0" lang="en-US" altLang="en-US" sz="1000" b="0" i="1" u="none" strike="noStrike" cap="none" normalizeH="0" baseline="0" dirty="0">
+                <a:ln>
+                  <a:noFill/>
+                </a:ln>
+                <a:solidFill>
+                  <a:schemeClr val="tx1"/>
+                </a:solidFill>
+                <a:effectLst/>
+                <a:latin typeface="Times New Roman" panose="02020603050405020304" pitchFamily="18" charset="0"/>
+                <a:ea typeface="Times New Roman" panose="02020603050405020304" pitchFamily="18" charset="0"/>
+                <a:cs typeface="Times New Roman" panose="02020603050405020304" pitchFamily="18" charset="0"/>
+              </a:rPr>
+              <a:t> logic </a:t>
+            </a:r>
+            <a:endParaRPr kumimoji="0" lang="en-US" altLang="en-US" sz="1800" b="0" i="0" u="none" strike="noStrike" cap="none" normalizeH="0" baseline="0" dirty="0">
               <a:ln>
                 <a:noFill/>
               </a:ln>
@@ -4091,7 +4129,8 @@
                 <a:schemeClr val="tx1"/>
               </a:solidFill>
               <a:effectLst/>
-              <a:latin typeface="Arial" panose="020B0604020202020204" pitchFamily="34" charset="0"/>
+              <a:latin typeface="Times New Roman" panose="02020603050405020304" pitchFamily="18" charset="0"/>
+              <a:cs typeface="Times New Roman" panose="02020603050405020304" pitchFamily="18" charset="0"/>
             </a:endParaRPr>
           </a:p>
         </p:txBody>
@@ -4112,7 +4151,7 @@
         </p:nvSpPr>
         <p:spPr bwMode="auto">
           <a:xfrm>
-            <a:off x="1908175" y="2571750"/>
+            <a:off x="1876091" y="2571750"/>
             <a:ext cx="2611438" cy="214313"/>
           </a:xfrm>
           <a:prstGeom prst="rect">
@@ -4162,7 +4201,7 @@
               <a:tabLst/>
             </a:pPr>
             <a:r>
-              <a:rPr kumimoji="0" lang="en-US" altLang="en-US" sz="1000" b="0" i="1" u="none" strike="noStrike" cap="none" normalizeH="0" baseline="0">
+              <a:rPr kumimoji="0" lang="en-US" altLang="en-US" sz="1000" b="0" i="1" u="none" strike="noStrike" cap="none" normalizeH="0" baseline="0" dirty="0">
                 <a:ln>
                   <a:noFill/>
                 </a:ln>
@@ -4170,12 +4209,13 @@
                   <a:schemeClr val="tx1"/>
                 </a:solidFill>
                 <a:effectLst/>
-                <a:latin typeface="Arial" panose="020B0604020202020204" pitchFamily="34" charset="0"/>
+                <a:latin typeface="Times New Roman" panose="02020603050405020304" pitchFamily="18" charset="0"/>
                 <a:ea typeface="Times New Roman" panose="02020603050405020304" pitchFamily="18" charset="0"/>
+                <a:cs typeface="Times New Roman" panose="02020603050405020304" pitchFamily="18" charset="0"/>
               </a:rPr>
               <a:t>Retrieve Document for Display[ITI-12] - Request</a:t>
             </a:r>
-            <a:endParaRPr kumimoji="0" lang="en-US" altLang="en-US" sz="1800" b="0" i="0" u="none" strike="noStrike" cap="none" normalizeH="0" baseline="0">
+            <a:endParaRPr kumimoji="0" lang="en-US" altLang="en-US" sz="1800" b="0" i="0" u="none" strike="noStrike" cap="none" normalizeH="0" baseline="0" dirty="0">
               <a:ln>
                 <a:noFill/>
               </a:ln>
@@ -4183,7 +4223,8 @@
                 <a:schemeClr val="tx1"/>
               </a:solidFill>
               <a:effectLst/>
-              <a:latin typeface="Arial" panose="020B0604020202020204" pitchFamily="34" charset="0"/>
+              <a:latin typeface="Times New Roman" panose="02020603050405020304" pitchFamily="18" charset="0"/>
+              <a:cs typeface="Times New Roman" panose="02020603050405020304" pitchFamily="18" charset="0"/>
             </a:endParaRPr>
           </a:p>
         </p:txBody>
@@ -4393,7 +4434,7 @@
         </p:nvSpPr>
         <p:spPr bwMode="auto">
           <a:xfrm>
-            <a:off x="720725" y="1152525"/>
+            <a:off x="772680" y="1142134"/>
             <a:ext cx="1603375" cy="219075"/>
           </a:xfrm>
           <a:prstGeom prst="rect">
@@ -4448,7 +4489,7 @@
               <a:tabLst/>
             </a:pPr>
             <a:r>
-              <a:rPr kumimoji="0" lang="en-US" altLang="en-US" sz="1000" b="0" i="0" u="none" strike="noStrike" cap="none" normalizeH="0" baseline="0">
+              <a:rPr kumimoji="0" lang="en-US" altLang="en-US" sz="1000" b="0" i="0" u="none" strike="noStrike" cap="none" normalizeH="0" baseline="0" dirty="0">
                 <a:ln>
                   <a:noFill/>
                 </a:ln>
@@ -4456,12 +4497,13 @@
                   <a:schemeClr val="tx1"/>
                 </a:solidFill>
                 <a:effectLst/>
-                <a:latin typeface="Arial" panose="020B0604020202020204" pitchFamily="34" charset="0"/>
+                <a:latin typeface="Times New Roman" panose="02020603050405020304" pitchFamily="18" charset="0"/>
                 <a:ea typeface="Times New Roman" panose="02020603050405020304" pitchFamily="18" charset="0"/>
+                <a:cs typeface="Times New Roman" panose="02020603050405020304" pitchFamily="18" charset="0"/>
               </a:rPr>
               <a:t>Patient Identity Feed [ITI-8]</a:t>
             </a:r>
-            <a:endParaRPr kumimoji="0" lang="en-US" altLang="en-US" sz="1800" b="0" i="0" u="none" strike="noStrike" cap="none" normalizeH="0" baseline="0">
+            <a:endParaRPr kumimoji="0" lang="en-US" altLang="en-US" sz="1800" b="0" i="0" u="none" strike="noStrike" cap="none" normalizeH="0" baseline="0" dirty="0">
               <a:ln>
                 <a:noFill/>
               </a:ln>
@@ -4469,7 +4511,8 @@
                 <a:schemeClr val="tx1"/>
               </a:solidFill>
               <a:effectLst/>
-              <a:latin typeface="Arial" panose="020B0604020202020204" pitchFamily="34" charset="0"/>
+              <a:latin typeface="Times New Roman" panose="02020603050405020304" pitchFamily="18" charset="0"/>
+              <a:cs typeface="Times New Roman" panose="02020603050405020304" pitchFamily="18" charset="0"/>
             </a:endParaRPr>
           </a:p>
         </p:txBody>
@@ -4541,7 +4584,7 @@
         </p:nvSpPr>
         <p:spPr bwMode="auto">
           <a:xfrm flipH="1" flipV="1">
-            <a:off x="2949575" y="2019300"/>
+            <a:off x="2949575" y="2040082"/>
             <a:ext cx="1092200" cy="0"/>
           </a:xfrm>
           <a:prstGeom prst="line">
@@ -4831,7 +4874,7 @@
               <a:tabLst/>
             </a:pPr>
             <a:r>
-              <a:rPr kumimoji="0" lang="en-US" altLang="en-US" sz="1000" b="0" i="0" u="none" strike="noStrike" cap="none" normalizeH="0" baseline="0">
+              <a:rPr kumimoji="0" lang="en-US" altLang="en-US" sz="1000" b="0" i="0" u="none" strike="noStrike" cap="none" normalizeH="0" baseline="0" dirty="0">
                 <a:ln>
                   <a:noFill/>
                 </a:ln>
@@ -4839,12 +4882,13 @@
                   <a:schemeClr val="tx1"/>
                 </a:solidFill>
                 <a:effectLst/>
-                <a:latin typeface="Arial" panose="020B0604020202020204" pitchFamily="34" charset="0"/>
+                <a:latin typeface="Times New Roman" panose="02020603050405020304" pitchFamily="18" charset="0"/>
                 <a:ea typeface="Times New Roman" panose="02020603050405020304" pitchFamily="18" charset="0"/>
+                <a:cs typeface="Times New Roman" panose="02020603050405020304" pitchFamily="18" charset="0"/>
               </a:rPr>
               <a:t>Patient Identity </a:t>
             </a:r>
-            <a:endParaRPr kumimoji="0" lang="en-US" altLang="en-US" sz="1000" b="0" i="0" u="none" strike="noStrike" cap="none" normalizeH="0" baseline="0">
+            <a:endParaRPr kumimoji="0" lang="en-US" altLang="en-US" sz="1000" b="0" i="0" u="none" strike="noStrike" cap="none" normalizeH="0" baseline="0" dirty="0">
               <a:ln>
                 <a:noFill/>
               </a:ln>
@@ -4852,7 +4896,8 @@
                 <a:schemeClr val="tx1"/>
               </a:solidFill>
               <a:effectLst/>
-              <a:latin typeface="Arial" panose="020B0604020202020204" pitchFamily="34" charset="0"/>
+              <a:latin typeface="Times New Roman" panose="02020603050405020304" pitchFamily="18" charset="0"/>
+              <a:cs typeface="Times New Roman" panose="02020603050405020304" pitchFamily="18" charset="0"/>
             </a:endParaRPr>
           </a:p>
           <a:p>
@@ -4873,7 +4918,7 @@
               <a:tabLst/>
             </a:pPr>
             <a:r>
-              <a:rPr kumimoji="0" lang="en-US" altLang="en-US" sz="1000" b="0" i="0" u="none" strike="noStrike" cap="none" normalizeH="0" baseline="0">
+              <a:rPr kumimoji="0" lang="en-US" altLang="en-US" sz="1000" b="0" i="0" u="none" strike="noStrike" cap="none" normalizeH="0" baseline="0" dirty="0">
                 <a:ln>
                   <a:noFill/>
                 </a:ln>
@@ -4881,12 +4926,13 @@
                   <a:schemeClr val="tx1"/>
                 </a:solidFill>
                 <a:effectLst/>
-                <a:latin typeface="Arial" panose="020B0604020202020204" pitchFamily="34" charset="0"/>
+                <a:latin typeface="Times New Roman" panose="02020603050405020304" pitchFamily="18" charset="0"/>
                 <a:ea typeface="Times New Roman" panose="02020603050405020304" pitchFamily="18" charset="0"/>
+                <a:cs typeface="Times New Roman" panose="02020603050405020304" pitchFamily="18" charset="0"/>
               </a:rPr>
               <a:t>Feed [ITI-8]</a:t>
             </a:r>
-            <a:endParaRPr kumimoji="0" lang="en-US" altLang="en-US" sz="1800" b="0" i="0" u="none" strike="noStrike" cap="none" normalizeH="0" baseline="0">
+            <a:endParaRPr kumimoji="0" lang="en-US" altLang="en-US" sz="1800" b="0" i="0" u="none" strike="noStrike" cap="none" normalizeH="0" baseline="0" dirty="0">
               <a:ln>
                 <a:noFill/>
               </a:ln>
@@ -4894,7 +4940,8 @@
                 <a:schemeClr val="tx1"/>
               </a:solidFill>
               <a:effectLst/>
-              <a:latin typeface="Arial" panose="020B0604020202020204" pitchFamily="34" charset="0"/>
+              <a:latin typeface="Times New Roman" panose="02020603050405020304" pitchFamily="18" charset="0"/>
+              <a:cs typeface="Times New Roman" panose="02020603050405020304" pitchFamily="18" charset="0"/>
             </a:endParaRPr>
           </a:p>
         </p:txBody>
@@ -4970,7 +5017,7 @@
               <a:tabLst/>
             </a:pPr>
             <a:r>
-              <a:rPr kumimoji="0" lang="en-US" altLang="en-US" sz="1000" b="0" i="1" u="none" strike="noStrike" cap="none" normalizeH="0" baseline="0">
+              <a:rPr kumimoji="0" lang="en-US" altLang="en-US" sz="1000" b="0" i="1" u="none" strike="noStrike" cap="none" normalizeH="0" baseline="0" dirty="0">
                 <a:ln>
                   <a:noFill/>
                 </a:ln>
@@ -4978,12 +5025,13 @@
                   <a:schemeClr val="tx1"/>
                 </a:solidFill>
                 <a:effectLst/>
-                <a:latin typeface="Arial" panose="020B0604020202020204" pitchFamily="34" charset="0"/>
+                <a:latin typeface="Times New Roman" panose="02020603050405020304" pitchFamily="18" charset="0"/>
                 <a:ea typeface="Times New Roman" panose="02020603050405020304" pitchFamily="18" charset="0"/>
+                <a:cs typeface="Times New Roman" panose="02020603050405020304" pitchFamily="18" charset="0"/>
               </a:rPr>
               <a:t>ADT feed within Intensive Care ID domain </a:t>
             </a:r>
-            <a:endParaRPr kumimoji="0" lang="en-US" altLang="en-US" sz="1800" b="0" i="0" u="none" strike="noStrike" cap="none" normalizeH="0" baseline="0">
+            <a:endParaRPr kumimoji="0" lang="en-US" altLang="en-US" sz="1800" b="0" i="0" u="none" strike="noStrike" cap="none" normalizeH="0" baseline="0" dirty="0">
               <a:ln>
                 <a:noFill/>
               </a:ln>
@@ -4991,7 +5039,8 @@
                 <a:schemeClr val="tx1"/>
               </a:solidFill>
               <a:effectLst/>
-              <a:latin typeface="Arial" panose="020B0604020202020204" pitchFamily="34" charset="0"/>
+              <a:latin typeface="Times New Roman" panose="02020603050405020304" pitchFamily="18" charset="0"/>
+              <a:cs typeface="Times New Roman" panose="02020603050405020304" pitchFamily="18" charset="0"/>
             </a:endParaRPr>
           </a:p>
         </p:txBody>
@@ -5063,7 +5112,7 @@
         </p:nvSpPr>
         <p:spPr bwMode="auto">
           <a:xfrm>
-            <a:off x="3295650" y="2200275"/>
+            <a:off x="3295650" y="2169102"/>
             <a:ext cx="788988" cy="304800"/>
           </a:xfrm>
           <a:prstGeom prst="rect">
@@ -5118,7 +5167,7 @@
               <a:tabLst/>
             </a:pPr>
             <a:r>
-              <a:rPr kumimoji="0" lang="en-US" altLang="en-US" sz="1000" b="0" i="1" u="none" strike="noStrike" cap="none" normalizeH="0" baseline="0">
+              <a:rPr kumimoji="0" lang="en-US" altLang="en-US" sz="1000" b="0" i="1" u="none" strike="noStrike" cap="none" normalizeH="0" baseline="0" dirty="0">
                 <a:ln>
                   <a:noFill/>
                 </a:ln>
@@ -5126,12 +5175,43 @@
                   <a:schemeClr val="tx1"/>
                 </a:solidFill>
                 <a:effectLst/>
-                <a:latin typeface="Arial" panose="020B0604020202020204" pitchFamily="34" charset="0"/>
+                <a:latin typeface="Times New Roman" panose="02020603050405020304" pitchFamily="18" charset="0"/>
                 <a:ea typeface="Times New Roman" panose="02020603050405020304" pitchFamily="18" charset="0"/>
+                <a:cs typeface="Times New Roman" panose="02020603050405020304" pitchFamily="18" charset="0"/>
               </a:rPr>
-              <a:t>Apply Xref logic </a:t>
-            </a:r>
-            <a:endParaRPr kumimoji="0" lang="en-US" altLang="en-US" sz="1800" b="0" i="0" u="none" strike="noStrike" cap="none" normalizeH="0" baseline="0">
+              <a:t>Apply </a:t>
+            </a:r>
+            <a:r>
+              <a:rPr kumimoji="0" lang="en-US" altLang="en-US" sz="1000" b="0" i="1" u="none" strike="noStrike" cap="none" normalizeH="0" baseline="0" dirty="0" err="1">
+                <a:ln>
+                  <a:noFill/>
+                </a:ln>
+                <a:solidFill>
+                  <a:schemeClr val="tx1"/>
+                </a:solidFill>
+                <a:effectLst/>
+                <a:latin typeface="Times New Roman" panose="02020603050405020304" pitchFamily="18" charset="0"/>
+                <a:ea typeface="Times New Roman" panose="02020603050405020304" pitchFamily="18" charset="0"/>
+                <a:cs typeface="Times New Roman" panose="02020603050405020304" pitchFamily="18" charset="0"/>
+              </a:rPr>
+              <a:t>Xref</a:t>
+            </a:r>
+            <a:r>
+              <a:rPr kumimoji="0" lang="en-US" altLang="en-US" sz="1000" b="0" i="1" u="none" strike="noStrike" cap="none" normalizeH="0" baseline="0" dirty="0">
+                <a:ln>
+                  <a:noFill/>
+                </a:ln>
+                <a:solidFill>
+                  <a:schemeClr val="tx1"/>
+                </a:solidFill>
+                <a:effectLst/>
+                <a:latin typeface="Times New Roman" panose="02020603050405020304" pitchFamily="18" charset="0"/>
+                <a:ea typeface="Times New Roman" panose="02020603050405020304" pitchFamily="18" charset="0"/>
+                <a:cs typeface="Times New Roman" panose="02020603050405020304" pitchFamily="18" charset="0"/>
+              </a:rPr>
+              <a:t> logic </a:t>
+            </a:r>
+            <a:endParaRPr kumimoji="0" lang="en-US" altLang="en-US" sz="1800" b="0" i="0" u="none" strike="noStrike" cap="none" normalizeH="0" baseline="0" dirty="0">
               <a:ln>
                 <a:noFill/>
               </a:ln>
@@ -5139,7 +5219,8 @@
                 <a:schemeClr val="tx1"/>
               </a:solidFill>
               <a:effectLst/>
-              <a:latin typeface="Arial" panose="020B0604020202020204" pitchFamily="34" charset="0"/>
+              <a:latin typeface="Times New Roman" panose="02020603050405020304" pitchFamily="18" charset="0"/>
+              <a:cs typeface="Times New Roman" panose="02020603050405020304" pitchFamily="18" charset="0"/>
             </a:endParaRPr>
           </a:p>
         </p:txBody>
@@ -5212,8 +5293,8 @@
         </p:nvSpPr>
         <p:spPr bwMode="auto">
           <a:xfrm>
-            <a:off x="4743450" y="523875"/>
-            <a:ext cx="1320800" cy="719138"/>
+            <a:off x="4733925" y="461529"/>
+            <a:ext cx="1330325" cy="830696"/>
           </a:xfrm>
           <a:prstGeom prst="rect">
             <a:avLst/>
@@ -5267,7 +5348,7 @@
               <a:tabLst/>
             </a:pPr>
             <a:r>
-              <a:rPr kumimoji="0" lang="en-US" altLang="en-US" sz="1000" b="0" i="0" u="none" strike="noStrike" cap="none" normalizeH="0" baseline="0">
+              <a:rPr kumimoji="0" lang="en-US" altLang="en-US" sz="1000" b="0" i="0" u="none" strike="noStrike" cap="none" normalizeH="0" baseline="0" dirty="0">
                 <a:ln>
                   <a:noFill/>
                 </a:ln>
@@ -5280,7 +5361,7 @@
               </a:rPr>
               <a:t>Patient Identifier Cross-reference Consumer /Information Source (Lab system - ADT domain) </a:t>
             </a:r>
-            <a:endParaRPr kumimoji="0" lang="en-US" altLang="en-US" sz="1800" b="0" i="0" u="none" strike="noStrike" cap="none" normalizeH="0" baseline="0">
+            <a:endParaRPr kumimoji="0" lang="en-US" altLang="en-US" sz="1800" b="0" i="0" u="none" strike="noStrike" cap="none" normalizeH="0" baseline="0" dirty="0">
               <a:ln>
                 <a:noFill/>
               </a:ln>
@@ -5415,7 +5496,7 @@
               <a:tabLst/>
             </a:pPr>
             <a:r>
-              <a:rPr kumimoji="0" lang="en-US" altLang="en-US" sz="1000" b="0" i="1" u="none" strike="noStrike" cap="none" normalizeH="0" baseline="0">
+              <a:rPr kumimoji="0" lang="en-US" altLang="en-US" sz="1000" b="0" i="1" u="none" strike="noStrike" cap="none" normalizeH="0" baseline="0" dirty="0">
                 <a:ln>
                   <a:noFill/>
                 </a:ln>
@@ -5423,12 +5504,13 @@
                   <a:schemeClr val="tx1"/>
                 </a:solidFill>
                 <a:effectLst/>
-                <a:latin typeface="Arial" panose="020B0604020202020204" pitchFamily="34" charset="0"/>
+                <a:latin typeface="Times New Roman" panose="02020603050405020304" pitchFamily="18" charset="0"/>
                 <a:ea typeface="Times New Roman" panose="02020603050405020304" pitchFamily="18" charset="0"/>
+                <a:cs typeface="Times New Roman" panose="02020603050405020304" pitchFamily="18" charset="0"/>
               </a:rPr>
               <a:t>ADT feed within ADT ID domain </a:t>
             </a:r>
-            <a:endParaRPr kumimoji="0" lang="en-US" altLang="en-US" sz="1800" b="0" i="0" u="none" strike="noStrike" cap="none" normalizeH="0" baseline="0">
+            <a:endParaRPr kumimoji="0" lang="en-US" altLang="en-US" sz="1800" b="0" i="0" u="none" strike="noStrike" cap="none" normalizeH="0" baseline="0" dirty="0">
               <a:ln>
                 <a:noFill/>
               </a:ln>
@@ -5436,7 +5518,8 @@
                 <a:schemeClr val="tx1"/>
               </a:solidFill>
               <a:effectLst/>
-              <a:latin typeface="Arial" panose="020B0604020202020204" pitchFamily="34" charset="0"/>
+              <a:latin typeface="Times New Roman" panose="02020603050405020304" pitchFamily="18" charset="0"/>
+              <a:cs typeface="Times New Roman" panose="02020603050405020304" pitchFamily="18" charset="0"/>
             </a:endParaRPr>
           </a:p>
         </p:txBody>
@@ -5599,7 +5682,7 @@
               <a:tabLst/>
             </a:pPr>
             <a:r>
-              <a:rPr kumimoji="0" lang="en-US" altLang="en-US" sz="1000" b="0" i="1" u="none" strike="noStrike" cap="none" normalizeH="0" baseline="0">
+              <a:rPr kumimoji="0" lang="en-US" altLang="en-US" sz="1000" b="0" i="1" u="none" strike="noStrike" cap="none" normalizeH="0" baseline="0" dirty="0">
                 <a:ln>
                   <a:noFill/>
                 </a:ln>
@@ -5607,12 +5690,13 @@
                   <a:schemeClr val="tx1"/>
                 </a:solidFill>
                 <a:effectLst/>
-                <a:latin typeface="Arial" panose="020B0604020202020204" pitchFamily="34" charset="0"/>
+                <a:latin typeface="Times New Roman" panose="02020603050405020304" pitchFamily="18" charset="0"/>
                 <a:ea typeface="Times New Roman" panose="02020603050405020304" pitchFamily="18" charset="0"/>
+                <a:cs typeface="Times New Roman" panose="02020603050405020304" pitchFamily="18" charset="0"/>
               </a:rPr>
               <a:t>Retrieve Document for Display [ITI-12] - Response</a:t>
             </a:r>
-            <a:endParaRPr kumimoji="0" lang="en-US" altLang="en-US" sz="1800" b="0" i="0" u="none" strike="noStrike" cap="none" normalizeH="0" baseline="0">
+            <a:endParaRPr kumimoji="0" lang="en-US" altLang="en-US" sz="1800" b="0" i="0" u="none" strike="noStrike" cap="none" normalizeH="0" baseline="0" dirty="0">
               <a:ln>
                 <a:noFill/>
               </a:ln>
@@ -5620,7 +5704,8 @@
                 <a:schemeClr val="tx1"/>
               </a:solidFill>
               <a:effectLst/>
-              <a:latin typeface="Arial" panose="020B0604020202020204" pitchFamily="34" charset="0"/>
+              <a:latin typeface="Times New Roman" panose="02020603050405020304" pitchFamily="18" charset="0"/>
+              <a:cs typeface="Times New Roman" panose="02020603050405020304" pitchFamily="18" charset="0"/>
             </a:endParaRPr>
           </a:p>
         </p:txBody>
@@ -5692,7 +5777,7 @@
         </p:nvSpPr>
         <p:spPr bwMode="auto">
           <a:xfrm>
-            <a:off x="5591175" y="2933700"/>
+            <a:off x="5631441" y="2836286"/>
             <a:ext cx="560388" cy="885825"/>
           </a:xfrm>
           <a:prstGeom prst="rect">
@@ -5747,7 +5832,7 @@
               <a:tabLst/>
             </a:pPr>
             <a:r>
-              <a:rPr kumimoji="0" lang="en-US" altLang="en-US" sz="1000" b="0" i="1" u="none" strike="noStrike" cap="none" normalizeH="0" baseline="0">
+              <a:rPr kumimoji="0" lang="en-US" altLang="en-US" sz="1000" b="0" i="1" u="none" strike="noStrike" cap="none" normalizeH="0" baseline="0" dirty="0">
                 <a:ln>
                   <a:noFill/>
                 </a:ln>
@@ -5755,12 +5840,13 @@
                   <a:schemeClr val="tx1"/>
                 </a:solidFill>
                 <a:effectLst/>
-                <a:latin typeface="Arial" panose="020B0604020202020204" pitchFamily="34" charset="0"/>
+                <a:latin typeface="Times New Roman" panose="02020603050405020304" pitchFamily="18" charset="0"/>
                 <a:ea typeface="Times New Roman" panose="02020603050405020304" pitchFamily="18" charset="0"/>
+                <a:cs typeface="Times New Roman" panose="02020603050405020304" pitchFamily="18" charset="0"/>
               </a:rPr>
               <a:t>Use locally known ID to select lab report </a:t>
             </a:r>
-            <a:endParaRPr kumimoji="0" lang="en-US" altLang="en-US" sz="1800" b="0" i="0" u="none" strike="noStrike" cap="none" normalizeH="0" baseline="0">
+            <a:endParaRPr kumimoji="0" lang="en-US" altLang="en-US" sz="1800" b="0" i="0" u="none" strike="noStrike" cap="none" normalizeH="0" baseline="0" dirty="0">
               <a:ln>
                 <a:noFill/>
               </a:ln>
@@ -5768,7 +5854,8 @@
                 <a:schemeClr val="tx1"/>
               </a:solidFill>
               <a:effectLst/>
-              <a:latin typeface="Arial" panose="020B0604020202020204" pitchFamily="34" charset="0"/>
+              <a:latin typeface="Times New Roman" panose="02020603050405020304" pitchFamily="18" charset="0"/>
+              <a:cs typeface="Times New Roman" panose="02020603050405020304" pitchFamily="18" charset="0"/>
             </a:endParaRPr>
           </a:p>
         </p:txBody>
@@ -6301,6 +6388,417 @@
           </a:p>
         </p:txBody>
       </p:sp>
+      <p:sp>
+        <p:nvSpPr>
+          <p:cNvPr id="49" name="Line 23">
+            <a:extLst>
+              <a:ext uri="{FF2B5EF4-FFF2-40B4-BE49-F238E27FC236}">
+                <a16:creationId xmlns:a16="http://schemas.microsoft.com/office/drawing/2014/main" id="{AF4D700B-9F5A-6D4C-9176-533A5AC77B15}"/>
+              </a:ext>
+            </a:extLst>
+          </p:cNvPr>
+          <p:cNvSpPr>
+            <a:spLocks noChangeShapeType="1"/>
+          </p:cNvSpPr>
+          <p:nvPr/>
+        </p:nvSpPr>
+        <p:spPr bwMode="auto">
+          <a:xfrm flipH="1">
+            <a:off x="2935719" y="1579413"/>
+            <a:ext cx="296418" cy="0"/>
+          </a:xfrm>
+          <a:prstGeom prst="line">
+            <a:avLst/>
+          </a:prstGeom>
+          <a:noFill/>
+          <a:ln w="9525">
+            <a:solidFill>
+              <a:srgbClr val="000000"/>
+            </a:solidFill>
+            <a:round/>
+            <a:headEnd/>
+            <a:tailEnd type="triangle" w="med" len="med"/>
+          </a:ln>
+          <a:extLst>
+            <a:ext uri="{909E8E84-426E-40DD-AFC4-6F175D3DCCD1}">
+              <a14:hiddenFill xmlns:a14="http://schemas.microsoft.com/office/drawing/2010/main">
+                <a:noFill/>
+              </a14:hiddenFill>
+            </a:ext>
+          </a:extLst>
+        </p:spPr>
+        <p:txBody>
+          <a:bodyPr vert="horz" wrap="square" lIns="91440" tIns="45720" rIns="91440" bIns="45720" numCol="1" anchor="t" anchorCtr="0" compatLnSpc="1">
+            <a:prstTxWarp prst="textNoShape">
+              <a:avLst/>
+            </a:prstTxWarp>
+          </a:bodyPr>
+          <a:lstStyle/>
+          <a:p>
+            <a:endParaRPr lang="en-US"/>
+          </a:p>
+        </p:txBody>
+      </p:sp>
+      <p:cxnSp>
+        <p:nvCxnSpPr>
+          <p:cNvPr id="3" name="Straight Connector 2">
+            <a:extLst>
+              <a:ext uri="{FF2B5EF4-FFF2-40B4-BE49-F238E27FC236}">
+                <a16:creationId xmlns:a16="http://schemas.microsoft.com/office/drawing/2014/main" id="{358D6850-583C-A144-82C0-D0853D96E571}"/>
+              </a:ext>
+            </a:extLst>
+          </p:cNvPr>
+          <p:cNvCxnSpPr>
+            <a:cxnSpLocks/>
+          </p:cNvCxnSpPr>
+          <p:nvPr/>
+        </p:nvCxnSpPr>
+        <p:spPr>
+          <a:xfrm>
+            <a:off x="3232137" y="1336956"/>
+            <a:ext cx="0" cy="242457"/>
+          </a:xfrm>
+          <a:prstGeom prst="line">
+            <a:avLst/>
+          </a:prstGeom>
+          <a:ln w="12700">
+            <a:solidFill>
+              <a:schemeClr val="tx1"/>
+            </a:solidFill>
+          </a:ln>
+        </p:spPr>
+        <p:style>
+          <a:lnRef idx="1">
+            <a:schemeClr val="accent1"/>
+          </a:lnRef>
+          <a:fillRef idx="0">
+            <a:schemeClr val="accent1"/>
+          </a:fillRef>
+          <a:effectRef idx="0">
+            <a:schemeClr val="accent1"/>
+          </a:effectRef>
+          <a:fontRef idx="minor">
+            <a:schemeClr val="tx1"/>
+          </a:fontRef>
+        </p:style>
+      </p:cxnSp>
+      <p:cxnSp>
+        <p:nvCxnSpPr>
+          <p:cNvPr id="50" name="Straight Connector 49">
+            <a:extLst>
+              <a:ext uri="{FF2B5EF4-FFF2-40B4-BE49-F238E27FC236}">
+                <a16:creationId xmlns:a16="http://schemas.microsoft.com/office/drawing/2014/main" id="{208BB8B8-4004-A84A-B569-D3E98C96344D}"/>
+              </a:ext>
+            </a:extLst>
+          </p:cNvPr>
+          <p:cNvCxnSpPr>
+            <a:cxnSpLocks/>
+          </p:cNvCxnSpPr>
+          <p:nvPr/>
+        </p:nvCxnSpPr>
+        <p:spPr>
+          <a:xfrm flipH="1">
+            <a:off x="2948116" y="1336956"/>
+            <a:ext cx="284021" cy="0"/>
+          </a:xfrm>
+          <a:prstGeom prst="line">
+            <a:avLst/>
+          </a:prstGeom>
+          <a:ln w="12700">
+            <a:solidFill>
+              <a:schemeClr val="tx1"/>
+            </a:solidFill>
+          </a:ln>
+        </p:spPr>
+        <p:style>
+          <a:lnRef idx="1">
+            <a:schemeClr val="accent1"/>
+          </a:lnRef>
+          <a:fillRef idx="0">
+            <a:schemeClr val="accent1"/>
+          </a:fillRef>
+          <a:effectRef idx="0">
+            <a:schemeClr val="accent1"/>
+          </a:effectRef>
+          <a:fontRef idx="minor">
+            <a:schemeClr val="tx1"/>
+          </a:fontRef>
+        </p:style>
+      </p:cxnSp>
+      <p:sp>
+        <p:nvSpPr>
+          <p:cNvPr id="54" name="Line 23">
+            <a:extLst>
+              <a:ext uri="{FF2B5EF4-FFF2-40B4-BE49-F238E27FC236}">
+                <a16:creationId xmlns:a16="http://schemas.microsoft.com/office/drawing/2014/main" id="{015E7980-2A9B-7646-8D6C-66B97192D698}"/>
+              </a:ext>
+            </a:extLst>
+          </p:cNvPr>
+          <p:cNvSpPr>
+            <a:spLocks noChangeShapeType="1"/>
+          </p:cNvSpPr>
+          <p:nvPr/>
+        </p:nvSpPr>
+        <p:spPr bwMode="auto">
+          <a:xfrm flipH="1">
+            <a:off x="2963427" y="2428007"/>
+            <a:ext cx="296418" cy="0"/>
+          </a:xfrm>
+          <a:prstGeom prst="line">
+            <a:avLst/>
+          </a:prstGeom>
+          <a:noFill/>
+          <a:ln w="9525">
+            <a:solidFill>
+              <a:srgbClr val="000000"/>
+            </a:solidFill>
+            <a:round/>
+            <a:headEnd/>
+            <a:tailEnd type="triangle" w="med" len="med"/>
+          </a:ln>
+          <a:extLst>
+            <a:ext uri="{909E8E84-426E-40DD-AFC4-6F175D3DCCD1}">
+              <a14:hiddenFill xmlns:a14="http://schemas.microsoft.com/office/drawing/2010/main">
+                <a:noFill/>
+              </a14:hiddenFill>
+            </a:ext>
+          </a:extLst>
+        </p:spPr>
+        <p:txBody>
+          <a:bodyPr vert="horz" wrap="square" lIns="91440" tIns="45720" rIns="91440" bIns="45720" numCol="1" anchor="t" anchorCtr="0" compatLnSpc="1">
+            <a:prstTxWarp prst="textNoShape">
+              <a:avLst/>
+            </a:prstTxWarp>
+          </a:bodyPr>
+          <a:lstStyle/>
+          <a:p>
+            <a:endParaRPr lang="en-US"/>
+          </a:p>
+        </p:txBody>
+      </p:sp>
+      <p:cxnSp>
+        <p:nvCxnSpPr>
+          <p:cNvPr id="55" name="Straight Connector 54">
+            <a:extLst>
+              <a:ext uri="{FF2B5EF4-FFF2-40B4-BE49-F238E27FC236}">
+                <a16:creationId xmlns:a16="http://schemas.microsoft.com/office/drawing/2014/main" id="{B75CD672-9182-F742-9B12-BE8C971073C9}"/>
+              </a:ext>
+            </a:extLst>
+          </p:cNvPr>
+          <p:cNvCxnSpPr>
+            <a:cxnSpLocks/>
+          </p:cNvCxnSpPr>
+          <p:nvPr/>
+        </p:nvCxnSpPr>
+        <p:spPr>
+          <a:xfrm>
+            <a:off x="3259845" y="2185550"/>
+            <a:ext cx="0" cy="242457"/>
+          </a:xfrm>
+          <a:prstGeom prst="line">
+            <a:avLst/>
+          </a:prstGeom>
+          <a:ln w="12700">
+            <a:solidFill>
+              <a:schemeClr val="tx1"/>
+            </a:solidFill>
+          </a:ln>
+        </p:spPr>
+        <p:style>
+          <a:lnRef idx="1">
+            <a:schemeClr val="accent1"/>
+          </a:lnRef>
+          <a:fillRef idx="0">
+            <a:schemeClr val="accent1"/>
+          </a:fillRef>
+          <a:effectRef idx="0">
+            <a:schemeClr val="accent1"/>
+          </a:effectRef>
+          <a:fontRef idx="minor">
+            <a:schemeClr val="tx1"/>
+          </a:fontRef>
+        </p:style>
+      </p:cxnSp>
+      <p:cxnSp>
+        <p:nvCxnSpPr>
+          <p:cNvPr id="56" name="Straight Connector 55">
+            <a:extLst>
+              <a:ext uri="{FF2B5EF4-FFF2-40B4-BE49-F238E27FC236}">
+                <a16:creationId xmlns:a16="http://schemas.microsoft.com/office/drawing/2014/main" id="{32E8D6B0-656C-0F4A-9A02-AA3A25CE2C79}"/>
+              </a:ext>
+            </a:extLst>
+          </p:cNvPr>
+          <p:cNvCxnSpPr>
+            <a:cxnSpLocks/>
+          </p:cNvCxnSpPr>
+          <p:nvPr/>
+        </p:nvCxnSpPr>
+        <p:spPr>
+          <a:xfrm flipH="1">
+            <a:off x="2935719" y="2185550"/>
+            <a:ext cx="324127" cy="0"/>
+          </a:xfrm>
+          <a:prstGeom prst="line">
+            <a:avLst/>
+          </a:prstGeom>
+          <a:ln w="12700">
+            <a:solidFill>
+              <a:schemeClr val="tx1"/>
+            </a:solidFill>
+          </a:ln>
+        </p:spPr>
+        <p:style>
+          <a:lnRef idx="1">
+            <a:schemeClr val="accent1"/>
+          </a:lnRef>
+          <a:fillRef idx="0">
+            <a:schemeClr val="accent1"/>
+          </a:fillRef>
+          <a:effectRef idx="0">
+            <a:schemeClr val="accent1"/>
+          </a:effectRef>
+          <a:fontRef idx="minor">
+            <a:schemeClr val="tx1"/>
+          </a:fontRef>
+        </p:style>
+      </p:cxnSp>
+      <p:sp>
+        <p:nvSpPr>
+          <p:cNvPr id="58" name="Line 23">
+            <a:extLst>
+              <a:ext uri="{FF2B5EF4-FFF2-40B4-BE49-F238E27FC236}">
+                <a16:creationId xmlns:a16="http://schemas.microsoft.com/office/drawing/2014/main" id="{0D464E33-7325-EC44-958E-2C3932765F85}"/>
+              </a:ext>
+            </a:extLst>
+          </p:cNvPr>
+          <p:cNvSpPr>
+            <a:spLocks noChangeShapeType="1"/>
+          </p:cNvSpPr>
+          <p:nvPr/>
+        </p:nvSpPr>
+        <p:spPr bwMode="auto">
+          <a:xfrm flipH="1">
+            <a:off x="5277136" y="3411681"/>
+            <a:ext cx="296418" cy="0"/>
+          </a:xfrm>
+          <a:prstGeom prst="line">
+            <a:avLst/>
+          </a:prstGeom>
+          <a:noFill/>
+          <a:ln w="9525">
+            <a:solidFill>
+              <a:srgbClr val="000000"/>
+            </a:solidFill>
+            <a:round/>
+            <a:headEnd/>
+            <a:tailEnd type="triangle" w="med" len="med"/>
+          </a:ln>
+          <a:extLst>
+            <a:ext uri="{909E8E84-426E-40DD-AFC4-6F175D3DCCD1}">
+              <a14:hiddenFill xmlns:a14="http://schemas.microsoft.com/office/drawing/2010/main">
+                <a:noFill/>
+              </a14:hiddenFill>
+            </a:ext>
+          </a:extLst>
+        </p:spPr>
+        <p:txBody>
+          <a:bodyPr vert="horz" wrap="square" lIns="91440" tIns="45720" rIns="91440" bIns="45720" numCol="1" anchor="t" anchorCtr="0" compatLnSpc="1">
+            <a:prstTxWarp prst="textNoShape">
+              <a:avLst/>
+            </a:prstTxWarp>
+          </a:bodyPr>
+          <a:lstStyle/>
+          <a:p>
+            <a:endParaRPr lang="en-US"/>
+          </a:p>
+        </p:txBody>
+      </p:sp>
+      <p:cxnSp>
+        <p:nvCxnSpPr>
+          <p:cNvPr id="59" name="Straight Connector 58">
+            <a:extLst>
+              <a:ext uri="{FF2B5EF4-FFF2-40B4-BE49-F238E27FC236}">
+                <a16:creationId xmlns:a16="http://schemas.microsoft.com/office/drawing/2014/main" id="{EF7D79CE-F131-7042-95FF-85391071CE18}"/>
+              </a:ext>
+            </a:extLst>
+          </p:cNvPr>
+          <p:cNvCxnSpPr>
+            <a:cxnSpLocks/>
+          </p:cNvCxnSpPr>
+          <p:nvPr/>
+        </p:nvCxnSpPr>
+        <p:spPr>
+          <a:xfrm>
+            <a:off x="5583945" y="3169224"/>
+            <a:ext cx="0" cy="242457"/>
+          </a:xfrm>
+          <a:prstGeom prst="line">
+            <a:avLst/>
+          </a:prstGeom>
+          <a:ln w="12700">
+            <a:solidFill>
+              <a:schemeClr val="tx1"/>
+            </a:solidFill>
+          </a:ln>
+        </p:spPr>
+        <p:style>
+          <a:lnRef idx="1">
+            <a:schemeClr val="accent1"/>
+          </a:lnRef>
+          <a:fillRef idx="0">
+            <a:schemeClr val="accent1"/>
+          </a:fillRef>
+          <a:effectRef idx="0">
+            <a:schemeClr val="accent1"/>
+          </a:effectRef>
+          <a:fontRef idx="minor">
+            <a:schemeClr val="tx1"/>
+          </a:fontRef>
+        </p:style>
+      </p:cxnSp>
+      <p:cxnSp>
+        <p:nvCxnSpPr>
+          <p:cNvPr id="65" name="Straight Connector 64">
+            <a:extLst>
+              <a:ext uri="{FF2B5EF4-FFF2-40B4-BE49-F238E27FC236}">
+                <a16:creationId xmlns:a16="http://schemas.microsoft.com/office/drawing/2014/main" id="{11B68529-CFDD-F647-A0A6-60004F35661A}"/>
+              </a:ext>
+            </a:extLst>
+          </p:cNvPr>
+          <p:cNvCxnSpPr>
+            <a:cxnSpLocks/>
+          </p:cNvCxnSpPr>
+          <p:nvPr/>
+        </p:nvCxnSpPr>
+        <p:spPr>
+          <a:xfrm flipH="1">
+            <a:off x="5259819" y="3169225"/>
+            <a:ext cx="324127" cy="0"/>
+          </a:xfrm>
+          <a:prstGeom prst="line">
+            <a:avLst/>
+          </a:prstGeom>
+          <a:ln w="12700">
+            <a:solidFill>
+              <a:schemeClr val="tx1"/>
+            </a:solidFill>
+          </a:ln>
+        </p:spPr>
+        <p:style>
+          <a:lnRef idx="1">
+            <a:schemeClr val="accent1"/>
+          </a:lnRef>
+          <a:fillRef idx="0">
+            <a:schemeClr val="accent1"/>
+          </a:fillRef>
+          <a:effectRef idx="0">
+            <a:schemeClr val="accent1"/>
+          </a:effectRef>
+          <a:fontRef idx="minor">
+            <a:schemeClr val="tx1"/>
+          </a:fontRef>
+        </p:style>
+      </p:cxnSp>
     </p:spTree>
     <p:extLst>
       <p:ext uri="{BB962C8B-B14F-4D97-AF65-F5344CB8AC3E}">
